--- a/what/fig/fig.pptx
+++ b/what/fig/fig.pptx
@@ -6,6 +6,7 @@
   </p:sldMasterIdLst>
   <p:sldIdLst>
     <p:sldId id="256" r:id="rId2"/>
+    <p:sldId id="257" r:id="rId3"/>
   </p:sldIdLst>
   <p:sldSz cx="9144000" cy="6858000" type="screen4x3"/>
   <p:notesSz cx="6858000" cy="9144000"/>
@@ -1849,6 +1850,701 @@
 </p:sld>
 </file>
 
+<file path=ppt/slides/slide2.xml><?xml version="1.0" encoding="utf-8"?>
+<p:sld xmlns:a="http://schemas.openxmlformats.org/drawingml/2006/main" xmlns:r="http://schemas.openxmlformats.org/officeDocument/2006/relationships" xmlns:p="http://schemas.openxmlformats.org/presentationml/2006/main">
+  <p:cSld>
+    <p:spTree>
+      <p:nvGrpSpPr>
+        <p:cNvPr id="1" name=""/>
+        <p:cNvGrpSpPr/>
+        <p:nvPr/>
+      </p:nvGrpSpPr>
+      <p:grpSpPr>
+        <a:xfrm>
+          <a:off x="0" y="0"/>
+          <a:ext cx="0" cy="0"/>
+          <a:chOff x="0" y="0"/>
+          <a:chExt cx="0" cy="0"/>
+        </a:xfrm>
+      </p:grpSpPr>
+      <p:sp>
+        <p:nvSpPr>
+          <p:cNvPr id="2" name="テキスト ボックス 1">
+            <a:extLst>
+              <a:ext uri="{FF2B5EF4-FFF2-40B4-BE49-F238E27FC236}">
+                <a16:creationId xmlns:a16="http://schemas.microsoft.com/office/drawing/2014/main" id="{F1B9986C-A71E-7E46-97E2-DBF90F29086A}"/>
+              </a:ext>
+            </a:extLst>
+          </p:cNvPr>
+          <p:cNvSpPr txBox="1"/>
+          <p:nvPr/>
+        </p:nvSpPr>
+        <p:spPr>
+          <a:xfrm>
+            <a:off x="3275856" y="332656"/>
+            <a:ext cx="2613279" cy="461665"/>
+          </a:xfrm>
+          <a:prstGeom prst="rect">
+            <a:avLst/>
+          </a:prstGeom>
+          <a:noFill/>
+        </p:spPr>
+        <p:txBody>
+          <a:bodyPr wrap="none" rtlCol="0">
+            <a:spAutoFit/>
+          </a:bodyPr>
+          <a:lstStyle/>
+          <a:p>
+            <a:pPr algn="ctr"/>
+            <a:r>
+              <a:rPr kumimoji="1" lang="en-US" altLang="ja-JP" sz="2400"/>
+              <a:t>Python</a:t>
+            </a:r>
+            <a:r>
+              <a:rPr kumimoji="1" lang="ja-JP" altLang="en-US" sz="2400"/>
+              <a:t>の実行方法</a:t>
+            </a:r>
+          </a:p>
+        </p:txBody>
+      </p:sp>
+      <p:sp>
+        <p:nvSpPr>
+          <p:cNvPr id="3" name="正方形/長方形 2">
+            <a:extLst>
+              <a:ext uri="{FF2B5EF4-FFF2-40B4-BE49-F238E27FC236}">
+                <a16:creationId xmlns:a16="http://schemas.microsoft.com/office/drawing/2014/main" id="{ABF669E4-AE3D-734D-A516-9A7D7413473D}"/>
+              </a:ext>
+            </a:extLst>
+          </p:cNvPr>
+          <p:cNvSpPr/>
+          <p:nvPr/>
+        </p:nvSpPr>
+        <p:spPr>
+          <a:xfrm>
+            <a:off x="3995936" y="1628800"/>
+            <a:ext cx="2230098" cy="276999"/>
+          </a:xfrm>
+          <a:prstGeom prst="rect">
+            <a:avLst/>
+          </a:prstGeom>
+          <a:solidFill>
+            <a:schemeClr val="tx1"/>
+          </a:solidFill>
+        </p:spPr>
+        <p:txBody>
+          <a:bodyPr wrap="none">
+            <a:spAutoFit/>
+          </a:bodyPr>
+          <a:lstStyle/>
+          <a:p>
+            <a:r>
+              <a:rPr lang="en" altLang="ja-JP" sz="1200" b="0">
+                <a:solidFill>
+                  <a:srgbClr val="DCDCAA"/>
+                </a:solidFill>
+                <a:effectLst/>
+                <a:latin typeface="Menlo" panose="020B0609030804020204" pitchFamily="49" charset="0"/>
+              </a:rPr>
+              <a:t>print</a:t>
+            </a:r>
+            <a:r>
+              <a:rPr lang="en" altLang="ja-JP" sz="1200" b="0">
+                <a:solidFill>
+                  <a:srgbClr val="D4D4D4"/>
+                </a:solidFill>
+                <a:effectLst/>
+                <a:latin typeface="Menlo" panose="020B0609030804020204" pitchFamily="49" charset="0"/>
+              </a:rPr>
+              <a:t>(</a:t>
+            </a:r>
+            <a:r>
+              <a:rPr lang="en" altLang="ja-JP" sz="1200" b="0">
+                <a:solidFill>
+                  <a:srgbClr val="CE9178"/>
+                </a:solidFill>
+                <a:effectLst/>
+                <a:latin typeface="Menlo" panose="020B0609030804020204" pitchFamily="49" charset="0"/>
+              </a:rPr>
+              <a:t>"Hello Python!"</a:t>
+            </a:r>
+            <a:r>
+              <a:rPr lang="en" altLang="ja-JP" sz="1200" b="0">
+                <a:solidFill>
+                  <a:srgbClr val="D4D4D4"/>
+                </a:solidFill>
+                <a:effectLst/>
+                <a:latin typeface="Menlo" panose="020B0609030804020204" pitchFamily="49" charset="0"/>
+              </a:rPr>
+              <a:t>)</a:t>
+            </a:r>
+          </a:p>
+        </p:txBody>
+      </p:sp>
+      <p:sp>
+        <p:nvSpPr>
+          <p:cNvPr id="4" name="1 つの角を切り取った四角形 3">
+            <a:extLst>
+              <a:ext uri="{FF2B5EF4-FFF2-40B4-BE49-F238E27FC236}">
+                <a16:creationId xmlns:a16="http://schemas.microsoft.com/office/drawing/2014/main" id="{2A24C87C-F58D-6B44-8AF0-B7EA5EE53A9C}"/>
+              </a:ext>
+            </a:extLst>
+          </p:cNvPr>
+          <p:cNvSpPr/>
+          <p:nvPr/>
+        </p:nvSpPr>
+        <p:spPr>
+          <a:xfrm>
+            <a:off x="3851920" y="1196752"/>
+            <a:ext cx="2592288" cy="864096"/>
+          </a:xfrm>
+          <a:prstGeom prst="snip1Rect">
+            <a:avLst/>
+          </a:prstGeom>
+          <a:noFill/>
+          <a:ln>
+            <a:solidFill>
+              <a:schemeClr val="tx1"/>
+            </a:solidFill>
+          </a:ln>
+        </p:spPr>
+        <p:style>
+          <a:lnRef idx="2">
+            <a:schemeClr val="accent1">
+              <a:shade val="50000"/>
+            </a:schemeClr>
+          </a:lnRef>
+          <a:fillRef idx="1">
+            <a:schemeClr val="accent1"/>
+          </a:fillRef>
+          <a:effectRef idx="0">
+            <a:schemeClr val="accent1"/>
+          </a:effectRef>
+          <a:fontRef idx="minor">
+            <a:schemeClr val="lt1"/>
+          </a:fontRef>
+        </p:style>
+        <p:txBody>
+          <a:bodyPr rtlCol="0" anchor="ctr"/>
+          <a:lstStyle/>
+          <a:p>
+            <a:pPr algn="ctr"/>
+            <a:endParaRPr kumimoji="1" lang="ja-JP" altLang="en-US"/>
+          </a:p>
+        </p:txBody>
+      </p:sp>
+      <p:sp>
+        <p:nvSpPr>
+          <p:cNvPr id="5" name="テキスト ボックス 4">
+            <a:extLst>
+              <a:ext uri="{FF2B5EF4-FFF2-40B4-BE49-F238E27FC236}">
+                <a16:creationId xmlns:a16="http://schemas.microsoft.com/office/drawing/2014/main" id="{9AE7D2CB-A4FF-E348-AE3E-D09CDA50152D}"/>
+              </a:ext>
+            </a:extLst>
+          </p:cNvPr>
+          <p:cNvSpPr txBox="1"/>
+          <p:nvPr/>
+        </p:nvSpPr>
+        <p:spPr>
+          <a:xfrm>
+            <a:off x="3995936" y="1196752"/>
+            <a:ext cx="821250" cy="369332"/>
+          </a:xfrm>
+          <a:prstGeom prst="rect">
+            <a:avLst/>
+          </a:prstGeom>
+          <a:noFill/>
+        </p:spPr>
+        <p:txBody>
+          <a:bodyPr wrap="none" rtlCol="0">
+            <a:spAutoFit/>
+          </a:bodyPr>
+          <a:lstStyle/>
+          <a:p>
+            <a:r>
+              <a:rPr kumimoji="1" lang="en-US" altLang="ja-JP"/>
+              <a:t>test.py</a:t>
+            </a:r>
+            <a:endParaRPr kumimoji="1" lang="ja-JP" altLang="en-US"/>
+          </a:p>
+        </p:txBody>
+      </p:sp>
+      <p:sp>
+        <p:nvSpPr>
+          <p:cNvPr id="7" name="テキスト ボックス 6">
+            <a:extLst>
+              <a:ext uri="{FF2B5EF4-FFF2-40B4-BE49-F238E27FC236}">
+                <a16:creationId xmlns:a16="http://schemas.microsoft.com/office/drawing/2014/main" id="{DED41E2D-2FB3-5B4B-830C-4FA03D4F0845}"/>
+              </a:ext>
+            </a:extLst>
+          </p:cNvPr>
+          <p:cNvSpPr txBox="1"/>
+          <p:nvPr/>
+        </p:nvSpPr>
+        <p:spPr>
+          <a:xfrm>
+            <a:off x="179512" y="1196752"/>
+            <a:ext cx="3456384" cy="864096"/>
+          </a:xfrm>
+          <a:prstGeom prst="rect">
+            <a:avLst/>
+          </a:prstGeom>
+          <a:noFill/>
+        </p:spPr>
+        <p:txBody>
+          <a:bodyPr wrap="square" rtlCol="0">
+            <a:spAutoFit/>
+          </a:bodyPr>
+          <a:lstStyle/>
+          <a:p>
+            <a:r>
+              <a:rPr kumimoji="1" lang="ja-JP" altLang="en-US" sz="1600"/>
+              <a:t>エディタでプログラムをファイルに保存し、コマンドラインで</a:t>
+            </a:r>
+            <a:r>
+              <a:rPr kumimoji="1" lang="en-US" altLang="ja-JP" sz="1600"/>
+              <a:t>Python</a:t>
+            </a:r>
+            <a:r>
+              <a:rPr kumimoji="1" lang="ja-JP" altLang="en-US" sz="1600"/>
+              <a:t>に食わせて実行する</a:t>
+            </a:r>
+          </a:p>
+        </p:txBody>
+      </p:sp>
+      <p:sp>
+        <p:nvSpPr>
+          <p:cNvPr id="8" name="正方形/長方形 7">
+            <a:extLst>
+              <a:ext uri="{FF2B5EF4-FFF2-40B4-BE49-F238E27FC236}">
+                <a16:creationId xmlns:a16="http://schemas.microsoft.com/office/drawing/2014/main" id="{9C097FB9-22FE-FA4E-A2FD-307EBEF99DB7}"/>
+              </a:ext>
+            </a:extLst>
+          </p:cNvPr>
+          <p:cNvSpPr/>
+          <p:nvPr/>
+        </p:nvSpPr>
+        <p:spPr>
+          <a:xfrm>
+            <a:off x="3923928" y="2708920"/>
+            <a:ext cx="2736304" cy="1277273"/>
+          </a:xfrm>
+          <a:prstGeom prst="rect">
+            <a:avLst/>
+          </a:prstGeom>
+          <a:solidFill>
+            <a:schemeClr val="tx1"/>
+          </a:solidFill>
+        </p:spPr>
+        <p:txBody>
+          <a:bodyPr wrap="square">
+            <a:spAutoFit/>
+          </a:bodyPr>
+          <a:lstStyle/>
+          <a:p>
+            <a:r>
+              <a:rPr lang="en" altLang="ja-JP" sz="1100">
+                <a:solidFill>
+                  <a:srgbClr val="F2F2F2"/>
+                </a:solidFill>
+                <a:effectLst/>
+                <a:latin typeface="Monaco" pitchFamily="2" charset="0"/>
+              </a:rPr>
+              <a:t>$ ipython</a:t>
+            </a:r>
+          </a:p>
+          <a:p>
+            <a:endParaRPr lang="en" altLang="ja-JP" sz="1100">
+              <a:solidFill>
+                <a:srgbClr val="F2F2F2"/>
+              </a:solidFill>
+              <a:effectLst/>
+              <a:latin typeface="Monaco" pitchFamily="2" charset="0"/>
+            </a:endParaRPr>
+          </a:p>
+          <a:p>
+            <a:r>
+              <a:rPr lang="en" altLang="ja-JP" sz="1100">
+                <a:solidFill>
+                  <a:srgbClr val="2D961E"/>
+                </a:solidFill>
+                <a:effectLst/>
+                <a:latin typeface="Monaco" pitchFamily="2" charset="0"/>
+              </a:rPr>
+              <a:t>In [</a:t>
+            </a:r>
+            <a:r>
+              <a:rPr lang="en" altLang="ja-JP" sz="1100">
+                <a:solidFill>
+                  <a:srgbClr val="2FE71A"/>
+                </a:solidFill>
+                <a:effectLst/>
+                <a:latin typeface="Monaco" pitchFamily="2" charset="0"/>
+              </a:rPr>
+              <a:t>1</a:t>
+            </a:r>
+            <a:r>
+              <a:rPr lang="en" altLang="ja-JP" sz="1100">
+                <a:solidFill>
+                  <a:srgbClr val="2D961E"/>
+                </a:solidFill>
+                <a:effectLst/>
+                <a:latin typeface="Monaco" pitchFamily="2" charset="0"/>
+              </a:rPr>
+              <a:t>]: print</a:t>
+            </a:r>
+            <a:r>
+              <a:rPr lang="en" altLang="ja-JP" sz="1100">
+                <a:solidFill>
+                  <a:srgbClr val="F2F2F2"/>
+                </a:solidFill>
+                <a:effectLst/>
+                <a:latin typeface="Monaco" pitchFamily="2" charset="0"/>
+              </a:rPr>
+              <a:t>(</a:t>
+            </a:r>
+            <a:r>
+              <a:rPr lang="en" altLang="ja-JP" sz="1100">
+                <a:solidFill>
+                  <a:srgbClr val="C1651C"/>
+                </a:solidFill>
+                <a:effectLst/>
+                <a:latin typeface="Monaco" pitchFamily="2" charset="0"/>
+              </a:rPr>
+              <a:t>"Hello Python!"</a:t>
+            </a:r>
+            <a:r>
+              <a:rPr lang="en" altLang="ja-JP" sz="1100">
+                <a:solidFill>
+                  <a:srgbClr val="F2F2F2"/>
+                </a:solidFill>
+                <a:effectLst/>
+                <a:latin typeface="Monaco" pitchFamily="2" charset="0"/>
+              </a:rPr>
+              <a:t>)</a:t>
+            </a:r>
+            <a:endParaRPr lang="en" altLang="ja-JP" sz="1100">
+              <a:solidFill>
+                <a:srgbClr val="C1651C"/>
+              </a:solidFill>
+              <a:effectLst/>
+              <a:latin typeface="Monaco" pitchFamily="2" charset="0"/>
+            </a:endParaRPr>
+          </a:p>
+          <a:p>
+            <a:r>
+              <a:rPr lang="en" altLang="ja-JP" sz="1100">
+                <a:solidFill>
+                  <a:srgbClr val="F2F2F2"/>
+                </a:solidFill>
+                <a:effectLst/>
+                <a:latin typeface="Monaco" pitchFamily="2" charset="0"/>
+              </a:rPr>
+              <a:t>Hello Python!</a:t>
+            </a:r>
+          </a:p>
+          <a:p>
+            <a:br>
+              <a:rPr lang="en" altLang="ja-JP" sz="1100">
+                <a:solidFill>
+                  <a:srgbClr val="F2F2F2"/>
+                </a:solidFill>
+                <a:effectLst/>
+                <a:latin typeface="Monaco" pitchFamily="2" charset="0"/>
+              </a:rPr>
+            </a:br>
+            <a:endParaRPr lang="en" altLang="ja-JP" sz="1100">
+              <a:solidFill>
+                <a:srgbClr val="F2F2F2"/>
+              </a:solidFill>
+              <a:effectLst/>
+              <a:latin typeface="Monaco" pitchFamily="2" charset="0"/>
+            </a:endParaRPr>
+          </a:p>
+          <a:p>
+            <a:r>
+              <a:rPr lang="en" altLang="ja-JP" sz="1100">
+                <a:solidFill>
+                  <a:srgbClr val="2D961E"/>
+                </a:solidFill>
+                <a:effectLst/>
+                <a:latin typeface="Monaco" pitchFamily="2" charset="0"/>
+              </a:rPr>
+              <a:t>In [</a:t>
+            </a:r>
+            <a:r>
+              <a:rPr lang="en" altLang="ja-JP" sz="1100">
+                <a:solidFill>
+                  <a:srgbClr val="2FE71A"/>
+                </a:solidFill>
+                <a:effectLst/>
+                <a:latin typeface="Monaco" pitchFamily="2" charset="0"/>
+              </a:rPr>
+              <a:t>2</a:t>
+            </a:r>
+            <a:r>
+              <a:rPr lang="en" altLang="ja-JP" sz="1100">
+                <a:solidFill>
+                  <a:srgbClr val="2D961E"/>
+                </a:solidFill>
+                <a:effectLst/>
+                <a:latin typeface="Monaco" pitchFamily="2" charset="0"/>
+              </a:rPr>
+              <a:t>]: </a:t>
+            </a:r>
+          </a:p>
+        </p:txBody>
+      </p:sp>
+      <p:sp>
+        <p:nvSpPr>
+          <p:cNvPr id="9" name="テキスト ボックス 8">
+            <a:extLst>
+              <a:ext uri="{FF2B5EF4-FFF2-40B4-BE49-F238E27FC236}">
+                <a16:creationId xmlns:a16="http://schemas.microsoft.com/office/drawing/2014/main" id="{340F3BB9-58BD-9B41-8AD2-97922066C9B7}"/>
+              </a:ext>
+            </a:extLst>
+          </p:cNvPr>
+          <p:cNvSpPr txBox="1"/>
+          <p:nvPr/>
+        </p:nvSpPr>
+        <p:spPr>
+          <a:xfrm>
+            <a:off x="251520" y="2708920"/>
+            <a:ext cx="3312368" cy="338554"/>
+          </a:xfrm>
+          <a:prstGeom prst="rect">
+            <a:avLst/>
+          </a:prstGeom>
+          <a:noFill/>
+        </p:spPr>
+        <p:txBody>
+          <a:bodyPr wrap="square" rtlCol="0">
+            <a:spAutoFit/>
+          </a:bodyPr>
+          <a:lstStyle/>
+          <a:p>
+            <a:r>
+              <a:rPr kumimoji="1" lang="en-US" altLang="ja-JP" sz="1600"/>
+              <a:t>IPython</a:t>
+            </a:r>
+            <a:r>
+              <a:rPr lang="ja-JP" altLang="en-US" sz="1600"/>
+              <a:t>という対話的シェルを使う</a:t>
+            </a:r>
+            <a:endParaRPr lang="en-US" altLang="ja-JP" sz="1600"/>
+          </a:p>
+        </p:txBody>
+      </p:sp>
+      <p:sp>
+        <p:nvSpPr>
+          <p:cNvPr id="10" name="テキスト ボックス 9">
+            <a:extLst>
+              <a:ext uri="{FF2B5EF4-FFF2-40B4-BE49-F238E27FC236}">
+                <a16:creationId xmlns:a16="http://schemas.microsoft.com/office/drawing/2014/main" id="{73896C89-0A8C-E94E-8B98-0EE8CF5BA726}"/>
+              </a:ext>
+            </a:extLst>
+          </p:cNvPr>
+          <p:cNvSpPr txBox="1"/>
+          <p:nvPr/>
+        </p:nvSpPr>
+        <p:spPr>
+          <a:xfrm>
+            <a:off x="7092280" y="1412776"/>
+            <a:ext cx="1765227" cy="461665"/>
+          </a:xfrm>
+          <a:prstGeom prst="rect">
+            <a:avLst/>
+          </a:prstGeom>
+          <a:solidFill>
+            <a:schemeClr val="tx1"/>
+          </a:solidFill>
+        </p:spPr>
+        <p:txBody>
+          <a:bodyPr wrap="none" rtlCol="0">
+            <a:spAutoFit/>
+          </a:bodyPr>
+          <a:lstStyle/>
+          <a:p>
+            <a:r>
+              <a:rPr lang="en" altLang="ja-JP" sz="1200">
+                <a:solidFill>
+                  <a:schemeClr val="bg1"/>
+                </a:solidFill>
+                <a:latin typeface="Monaco" pitchFamily="2" charset="0"/>
+              </a:rPr>
+              <a:t>$ python test.py </a:t>
+            </a:r>
+          </a:p>
+          <a:p>
+            <a:r>
+              <a:rPr lang="en" altLang="ja-JP" sz="1200">
+                <a:solidFill>
+                  <a:schemeClr val="bg1"/>
+                </a:solidFill>
+                <a:latin typeface="Monaco" pitchFamily="2" charset="0"/>
+              </a:rPr>
+              <a:t>Hello Python!</a:t>
+            </a:r>
+          </a:p>
+        </p:txBody>
+      </p:sp>
+      <p:pic>
+        <p:nvPicPr>
+          <p:cNvPr id="12" name="図 11">
+            <a:extLst>
+              <a:ext uri="{FF2B5EF4-FFF2-40B4-BE49-F238E27FC236}">
+                <a16:creationId xmlns:a16="http://schemas.microsoft.com/office/drawing/2014/main" id="{7B4C91B9-79E7-4643-A198-62E3A62522F4}"/>
+              </a:ext>
+            </a:extLst>
+          </p:cNvPr>
+          <p:cNvPicPr>
+            <a:picLocks noChangeAspect="1"/>
+          </p:cNvPicPr>
+          <p:nvPr/>
+        </p:nvPicPr>
+        <p:blipFill>
+          <a:blip r:embed="rId2"/>
+          <a:stretch>
+            <a:fillRect/>
+          </a:stretch>
+        </p:blipFill>
+        <p:spPr>
+          <a:xfrm>
+            <a:off x="3923928" y="4437112"/>
+            <a:ext cx="4766709" cy="1944216"/>
+          </a:xfrm>
+          <a:prstGeom prst="rect">
+            <a:avLst/>
+          </a:prstGeom>
+          <a:ln>
+            <a:solidFill>
+              <a:schemeClr val="tx1"/>
+            </a:solidFill>
+          </a:ln>
+        </p:spPr>
+      </p:pic>
+      <p:sp>
+        <p:nvSpPr>
+          <p:cNvPr id="13" name="テキスト ボックス 12">
+            <a:extLst>
+              <a:ext uri="{FF2B5EF4-FFF2-40B4-BE49-F238E27FC236}">
+                <a16:creationId xmlns:a16="http://schemas.microsoft.com/office/drawing/2014/main" id="{861FF8BE-53FE-6045-9B2E-04F9F8FAD1AB}"/>
+              </a:ext>
+            </a:extLst>
+          </p:cNvPr>
+          <p:cNvSpPr txBox="1"/>
+          <p:nvPr/>
+        </p:nvSpPr>
+        <p:spPr>
+          <a:xfrm>
+            <a:off x="179512" y="4437112"/>
+            <a:ext cx="3312368" cy="338554"/>
+          </a:xfrm>
+          <a:prstGeom prst="rect">
+            <a:avLst/>
+          </a:prstGeom>
+          <a:noFill/>
+        </p:spPr>
+        <p:txBody>
+          <a:bodyPr wrap="square" rtlCol="0">
+            <a:spAutoFit/>
+          </a:bodyPr>
+          <a:lstStyle/>
+          <a:p>
+            <a:r>
+              <a:rPr kumimoji="1" lang="en-US" altLang="ja-JP" sz="1600"/>
+              <a:t>Jupyter Notebook</a:t>
+            </a:r>
+            <a:r>
+              <a:rPr kumimoji="1" lang="ja-JP" altLang="en-US" sz="1600"/>
+              <a:t>を使う</a:t>
+            </a:r>
+            <a:r>
+              <a:rPr kumimoji="1" lang="en-US" altLang="ja-JP" sz="1600"/>
+              <a:t> (</a:t>
+            </a:r>
+            <a:r>
+              <a:rPr kumimoji="1" lang="ja-JP" altLang="en-US" sz="1600">
+                <a:solidFill>
+                  <a:srgbClr val="FF0000"/>
+                </a:solidFill>
+              </a:rPr>
+              <a:t>オススメ</a:t>
+            </a:r>
+            <a:r>
+              <a:rPr kumimoji="1" lang="en-US" altLang="ja-JP" sz="1600"/>
+              <a:t>)</a:t>
+            </a:r>
+            <a:endParaRPr kumimoji="1" lang="ja-JP" altLang="en-US" sz="1600"/>
+          </a:p>
+        </p:txBody>
+      </p:sp>
+      <p:sp>
+        <p:nvSpPr>
+          <p:cNvPr id="14" name="右矢印 13">
+            <a:extLst>
+              <a:ext uri="{FF2B5EF4-FFF2-40B4-BE49-F238E27FC236}">
+                <a16:creationId xmlns:a16="http://schemas.microsoft.com/office/drawing/2014/main" id="{ECC04234-0686-944E-BDDB-EB90D56599D2}"/>
+              </a:ext>
+            </a:extLst>
+          </p:cNvPr>
+          <p:cNvSpPr/>
+          <p:nvPr/>
+        </p:nvSpPr>
+        <p:spPr>
+          <a:xfrm>
+            <a:off x="6588224" y="1484784"/>
+            <a:ext cx="360040" cy="288032"/>
+          </a:xfrm>
+          <a:prstGeom prst="rightArrow">
+            <a:avLst/>
+          </a:prstGeom>
+          <a:solidFill>
+            <a:srgbClr val="FF0000"/>
+          </a:solidFill>
+          <a:ln>
+            <a:solidFill>
+              <a:schemeClr val="tx1"/>
+            </a:solidFill>
+          </a:ln>
+        </p:spPr>
+        <p:style>
+          <a:lnRef idx="2">
+            <a:schemeClr val="accent1">
+              <a:shade val="50000"/>
+            </a:schemeClr>
+          </a:lnRef>
+          <a:fillRef idx="1">
+            <a:schemeClr val="accent1"/>
+          </a:fillRef>
+          <a:effectRef idx="0">
+            <a:schemeClr val="accent1"/>
+          </a:effectRef>
+          <a:fontRef idx="minor">
+            <a:schemeClr val="lt1"/>
+          </a:fontRef>
+        </p:style>
+        <p:txBody>
+          <a:bodyPr rtlCol="0" anchor="ctr"/>
+          <a:lstStyle/>
+          <a:p>
+            <a:pPr algn="ctr"/>
+            <a:endParaRPr kumimoji="1" lang="ja-JP" altLang="en-US"/>
+          </a:p>
+        </p:txBody>
+      </p:sp>
+    </p:spTree>
+    <p:extLst>
+      <p:ext uri="{BB962C8B-B14F-4D97-AF65-F5344CB8AC3E}">
+        <p14:creationId xmlns:p14="http://schemas.microsoft.com/office/powerpoint/2010/main" val="3841301475"/>
+      </p:ext>
+    </p:extLst>
+  </p:cSld>
+  <p:clrMapOvr>
+    <a:masterClrMapping/>
+  </p:clrMapOvr>
+</p:sld>
+</file>
+
 <file path=ppt/theme/theme1.xml><?xml version="1.0" encoding="utf-8"?>
 <a:theme xmlns:a="http://schemas.openxmlformats.org/drawingml/2006/main" name="Office テーマ">
   <a:themeElements>
